--- a/Проект.pptx
+++ b/Проект.pptx
@@ -70,8 +70,8 @@
         </p:nvSpPr>
         <p:spPr>
           <a:xfrm>
-            <a:off x="720000" y="184680"/>
-            <a:ext cx="8639640" cy="1250280"/>
+            <a:off x="504000" y="74160"/>
+            <a:ext cx="9072000" cy="1250280"/>
           </a:xfrm>
           <a:prstGeom prst="rect">
             <a:avLst/>
@@ -101,8 +101,8 @@
         </p:nvSpPr>
         <p:spPr>
           <a:xfrm>
-            <a:off x="720000" y="1440000"/>
-            <a:ext cx="8639640" cy="1716840"/>
+            <a:off x="504000" y="1326600"/>
+            <a:ext cx="9072000" cy="1568520"/>
           </a:xfrm>
           <a:prstGeom prst="rect">
             <a:avLst/>
@@ -131,8 +131,8 @@
         </p:nvSpPr>
         <p:spPr>
           <a:xfrm>
-            <a:off x="720000" y="3320280"/>
-            <a:ext cx="8639640" cy="1716840"/>
+            <a:off x="504000" y="3044520"/>
+            <a:ext cx="9072000" cy="1568520"/>
           </a:xfrm>
           <a:prstGeom prst="rect">
             <a:avLst/>
@@ -183,8 +183,8 @@
         </p:nvSpPr>
         <p:spPr>
           <a:xfrm>
-            <a:off x="720000" y="184680"/>
-            <a:ext cx="8639640" cy="1250280"/>
+            <a:off x="504000" y="74160"/>
+            <a:ext cx="9072000" cy="1250280"/>
           </a:xfrm>
           <a:prstGeom prst="rect">
             <a:avLst/>
@@ -214,8 +214,8 @@
         </p:nvSpPr>
         <p:spPr>
           <a:xfrm>
-            <a:off x="720000" y="1440000"/>
-            <a:ext cx="4215960" cy="1716840"/>
+            <a:off x="504000" y="1326600"/>
+            <a:ext cx="4426920" cy="1568520"/>
           </a:xfrm>
           <a:prstGeom prst="rect">
             <a:avLst/>
@@ -244,8 +244,8 @@
         </p:nvSpPr>
         <p:spPr>
           <a:xfrm>
-            <a:off x="5147280" y="1440000"/>
-            <a:ext cx="4215960" cy="1716840"/>
+            <a:off x="5152680" y="1326600"/>
+            <a:ext cx="4426920" cy="1568520"/>
           </a:xfrm>
           <a:prstGeom prst="rect">
             <a:avLst/>
@@ -274,8 +274,8 @@
         </p:nvSpPr>
         <p:spPr>
           <a:xfrm>
-            <a:off x="720000" y="3320280"/>
-            <a:ext cx="4215960" cy="1716840"/>
+            <a:off x="504000" y="3044520"/>
+            <a:ext cx="4426920" cy="1568520"/>
           </a:xfrm>
           <a:prstGeom prst="rect">
             <a:avLst/>
@@ -304,8 +304,8 @@
         </p:nvSpPr>
         <p:spPr>
           <a:xfrm>
-            <a:off x="5147280" y="3320280"/>
-            <a:ext cx="4215960" cy="1716840"/>
+            <a:off x="5152680" y="3044520"/>
+            <a:ext cx="4426920" cy="1568520"/>
           </a:xfrm>
           <a:prstGeom prst="rect">
             <a:avLst/>
@@ -356,8 +356,8 @@
         </p:nvSpPr>
         <p:spPr>
           <a:xfrm>
-            <a:off x="720000" y="184680"/>
-            <a:ext cx="8639640" cy="1250280"/>
+            <a:off x="504000" y="74160"/>
+            <a:ext cx="9072000" cy="1250280"/>
           </a:xfrm>
           <a:prstGeom prst="rect">
             <a:avLst/>
@@ -387,8 +387,8 @@
         </p:nvSpPr>
         <p:spPr>
           <a:xfrm>
-            <a:off x="720000" y="1440000"/>
-            <a:ext cx="2781720" cy="1716840"/>
+            <a:off x="504000" y="1326600"/>
+            <a:ext cx="2921040" cy="1568520"/>
           </a:xfrm>
           <a:prstGeom prst="rect">
             <a:avLst/>
@@ -396,7 +396,7 @@
         </p:spPr>
         <p:txBody>
           <a:bodyPr lIns="0" rIns="0" tIns="0" bIns="0">
-            <a:normAutofit fontScale="65000"/>
+            <a:normAutofit fontScale="56000"/>
           </a:bodyPr>
           <a:p>
             <a:endParaRPr b="0" lang="en-US" sz="3200" spc="-1" strike="noStrike">
@@ -417,8 +417,8 @@
         </p:nvSpPr>
         <p:spPr>
           <a:xfrm>
-            <a:off x="3641040" y="1440000"/>
-            <a:ext cx="2781720" cy="1716840"/>
+            <a:off x="3571560" y="1326600"/>
+            <a:ext cx="2921040" cy="1568520"/>
           </a:xfrm>
           <a:prstGeom prst="rect">
             <a:avLst/>
@@ -426,7 +426,7 @@
         </p:spPr>
         <p:txBody>
           <a:bodyPr lIns="0" rIns="0" tIns="0" bIns="0">
-            <a:normAutofit fontScale="65000"/>
+            <a:normAutofit fontScale="56000"/>
           </a:bodyPr>
           <a:p>
             <a:endParaRPr b="0" lang="en-US" sz="3200" spc="-1" strike="noStrike">
@@ -447,8 +447,8 @@
         </p:nvSpPr>
         <p:spPr>
           <a:xfrm>
-            <a:off x="6562440" y="1440000"/>
-            <a:ext cx="2781720" cy="1716840"/>
+            <a:off x="6639120" y="1326600"/>
+            <a:ext cx="2921040" cy="1568520"/>
           </a:xfrm>
           <a:prstGeom prst="rect">
             <a:avLst/>
@@ -456,7 +456,7 @@
         </p:spPr>
         <p:txBody>
           <a:bodyPr lIns="0" rIns="0" tIns="0" bIns="0">
-            <a:normAutofit fontScale="65000"/>
+            <a:normAutofit fontScale="56000"/>
           </a:bodyPr>
           <a:p>
             <a:endParaRPr b="0" lang="en-US" sz="3200" spc="-1" strike="noStrike">
@@ -477,8 +477,8 @@
         </p:nvSpPr>
         <p:spPr>
           <a:xfrm>
-            <a:off x="720000" y="3320280"/>
-            <a:ext cx="2781720" cy="1716840"/>
+            <a:off x="504000" y="3044520"/>
+            <a:ext cx="2921040" cy="1568520"/>
           </a:xfrm>
           <a:prstGeom prst="rect">
             <a:avLst/>
@@ -486,7 +486,7 @@
         </p:spPr>
         <p:txBody>
           <a:bodyPr lIns="0" rIns="0" tIns="0" bIns="0">
-            <a:normAutofit fontScale="65000"/>
+            <a:normAutofit fontScale="56000"/>
           </a:bodyPr>
           <a:p>
             <a:endParaRPr b="0" lang="en-US" sz="3200" spc="-1" strike="noStrike">
@@ -507,8 +507,8 @@
         </p:nvSpPr>
         <p:spPr>
           <a:xfrm>
-            <a:off x="3641040" y="3320280"/>
-            <a:ext cx="2781720" cy="1716840"/>
+            <a:off x="3571560" y="3044520"/>
+            <a:ext cx="2921040" cy="1568520"/>
           </a:xfrm>
           <a:prstGeom prst="rect">
             <a:avLst/>
@@ -516,7 +516,7 @@
         </p:spPr>
         <p:txBody>
           <a:bodyPr lIns="0" rIns="0" tIns="0" bIns="0">
-            <a:normAutofit fontScale="65000"/>
+            <a:normAutofit fontScale="56000"/>
           </a:bodyPr>
           <a:p>
             <a:endParaRPr b="0" lang="en-US" sz="3200" spc="-1" strike="noStrike">
@@ -537,8 +537,8 @@
         </p:nvSpPr>
         <p:spPr>
           <a:xfrm>
-            <a:off x="6562440" y="3320280"/>
-            <a:ext cx="2781720" cy="1716840"/>
+            <a:off x="6639120" y="3044520"/>
+            <a:ext cx="2921040" cy="1568520"/>
           </a:xfrm>
           <a:prstGeom prst="rect">
             <a:avLst/>
@@ -546,7 +546,7 @@
         </p:spPr>
         <p:txBody>
           <a:bodyPr lIns="0" rIns="0" tIns="0" bIns="0">
-            <a:normAutofit fontScale="65000"/>
+            <a:normAutofit fontScale="56000"/>
           </a:bodyPr>
           <a:p>
             <a:endParaRPr b="0" lang="en-US" sz="3200" spc="-1" strike="noStrike">
@@ -589,8 +589,8 @@
         </p:nvSpPr>
         <p:spPr>
           <a:xfrm>
-            <a:off x="720000" y="184680"/>
-            <a:ext cx="8639640" cy="1250280"/>
+            <a:off x="504000" y="74160"/>
+            <a:ext cx="9072000" cy="1250280"/>
           </a:xfrm>
           <a:prstGeom prst="rect">
             <a:avLst/>
@@ -620,8 +620,8 @@
         </p:nvSpPr>
         <p:spPr>
           <a:xfrm>
-            <a:off x="720000" y="1440000"/>
-            <a:ext cx="8639640" cy="3599640"/>
+            <a:off x="504000" y="1326600"/>
+            <a:ext cx="9072000" cy="3288600"/>
           </a:xfrm>
           <a:prstGeom prst="rect">
             <a:avLst/>
@@ -673,8 +673,8 @@
         </p:nvSpPr>
         <p:spPr>
           <a:xfrm>
-            <a:off x="720000" y="184680"/>
-            <a:ext cx="8639640" cy="1250280"/>
+            <a:off x="504000" y="74160"/>
+            <a:ext cx="9072000" cy="1250280"/>
           </a:xfrm>
           <a:prstGeom prst="rect">
             <a:avLst/>
@@ -704,8 +704,8 @@
         </p:nvSpPr>
         <p:spPr>
           <a:xfrm>
-            <a:off x="720000" y="1440000"/>
-            <a:ext cx="8639640" cy="3599640"/>
+            <a:off x="504000" y="1326600"/>
+            <a:ext cx="9072000" cy="3288600"/>
           </a:xfrm>
           <a:prstGeom prst="rect">
             <a:avLst/>
@@ -756,8 +756,8 @@
         </p:nvSpPr>
         <p:spPr>
           <a:xfrm>
-            <a:off x="720000" y="184680"/>
-            <a:ext cx="8639640" cy="1250280"/>
+            <a:off x="504000" y="74160"/>
+            <a:ext cx="9072000" cy="1250280"/>
           </a:xfrm>
           <a:prstGeom prst="rect">
             <a:avLst/>
@@ -787,8 +787,8 @@
         </p:nvSpPr>
         <p:spPr>
           <a:xfrm>
-            <a:off x="720000" y="1440000"/>
-            <a:ext cx="4215960" cy="3599640"/>
+            <a:off x="504000" y="1326600"/>
+            <a:ext cx="4426920" cy="3288600"/>
           </a:xfrm>
           <a:prstGeom prst="rect">
             <a:avLst/>
@@ -817,8 +817,8 @@
         </p:nvSpPr>
         <p:spPr>
           <a:xfrm>
-            <a:off x="5147280" y="1440000"/>
-            <a:ext cx="4215960" cy="3599640"/>
+            <a:off x="5152680" y="1326600"/>
+            <a:ext cx="4426920" cy="3288600"/>
           </a:xfrm>
           <a:prstGeom prst="rect">
             <a:avLst/>
@@ -869,8 +869,8 @@
         </p:nvSpPr>
         <p:spPr>
           <a:xfrm>
-            <a:off x="720000" y="184680"/>
-            <a:ext cx="8639640" cy="1250280"/>
+            <a:off x="504000" y="74160"/>
+            <a:ext cx="9072000" cy="1250280"/>
           </a:xfrm>
           <a:prstGeom prst="rect">
             <a:avLst/>
@@ -922,8 +922,8 @@
         </p:nvSpPr>
         <p:spPr>
           <a:xfrm>
-            <a:off x="720000" y="360000"/>
-            <a:ext cx="8639640" cy="4171680"/>
+            <a:off x="504000" y="226080"/>
+            <a:ext cx="9072000" cy="4388400"/>
           </a:xfrm>
           <a:prstGeom prst="rect">
             <a:avLst/>
@@ -975,8 +975,8 @@
         </p:nvSpPr>
         <p:spPr>
           <a:xfrm>
-            <a:off x="720000" y="184680"/>
-            <a:ext cx="8639640" cy="1250280"/>
+            <a:off x="504000" y="74160"/>
+            <a:ext cx="9072000" cy="1250280"/>
           </a:xfrm>
           <a:prstGeom prst="rect">
             <a:avLst/>
@@ -1006,8 +1006,8 @@
         </p:nvSpPr>
         <p:spPr>
           <a:xfrm>
-            <a:off x="720000" y="1440000"/>
-            <a:ext cx="4215960" cy="1716840"/>
+            <a:off x="504000" y="1326600"/>
+            <a:ext cx="4426920" cy="1568520"/>
           </a:xfrm>
           <a:prstGeom prst="rect">
             <a:avLst/>
@@ -1036,8 +1036,8 @@
         </p:nvSpPr>
         <p:spPr>
           <a:xfrm>
-            <a:off x="5147280" y="1440000"/>
-            <a:ext cx="4215960" cy="3599640"/>
+            <a:off x="5152680" y="1326600"/>
+            <a:ext cx="4426920" cy="3288600"/>
           </a:xfrm>
           <a:prstGeom prst="rect">
             <a:avLst/>
@@ -1066,8 +1066,8 @@
         </p:nvSpPr>
         <p:spPr>
           <a:xfrm>
-            <a:off x="720000" y="3320280"/>
-            <a:ext cx="4215960" cy="1716840"/>
+            <a:off x="504000" y="3044520"/>
+            <a:ext cx="4426920" cy="1568520"/>
           </a:xfrm>
           <a:prstGeom prst="rect">
             <a:avLst/>
@@ -1118,8 +1118,8 @@
         </p:nvSpPr>
         <p:spPr>
           <a:xfrm>
-            <a:off x="720000" y="184680"/>
-            <a:ext cx="8639640" cy="1250280"/>
+            <a:off x="504000" y="74160"/>
+            <a:ext cx="9072000" cy="1250280"/>
           </a:xfrm>
           <a:prstGeom prst="rect">
             <a:avLst/>
@@ -1149,8 +1149,8 @@
         </p:nvSpPr>
         <p:spPr>
           <a:xfrm>
-            <a:off x="720000" y="1440000"/>
-            <a:ext cx="4215960" cy="3599640"/>
+            <a:off x="504000" y="1326600"/>
+            <a:ext cx="4426920" cy="3288600"/>
           </a:xfrm>
           <a:prstGeom prst="rect">
             <a:avLst/>
@@ -1179,8 +1179,8 @@
         </p:nvSpPr>
         <p:spPr>
           <a:xfrm>
-            <a:off x="5147280" y="1440000"/>
-            <a:ext cx="4215960" cy="1716840"/>
+            <a:off x="5152680" y="1326600"/>
+            <a:ext cx="4426920" cy="1568520"/>
           </a:xfrm>
           <a:prstGeom prst="rect">
             <a:avLst/>
@@ -1209,8 +1209,8 @@
         </p:nvSpPr>
         <p:spPr>
           <a:xfrm>
-            <a:off x="5147280" y="3320280"/>
-            <a:ext cx="4215960" cy="1716840"/>
+            <a:off x="5152680" y="3044520"/>
+            <a:ext cx="4426920" cy="1568520"/>
           </a:xfrm>
           <a:prstGeom prst="rect">
             <a:avLst/>
@@ -1261,8 +1261,8 @@
         </p:nvSpPr>
         <p:spPr>
           <a:xfrm>
-            <a:off x="720000" y="184680"/>
-            <a:ext cx="8639640" cy="1250280"/>
+            <a:off x="504000" y="74160"/>
+            <a:ext cx="9072000" cy="1250280"/>
           </a:xfrm>
           <a:prstGeom prst="rect">
             <a:avLst/>
@@ -1292,8 +1292,8 @@
         </p:nvSpPr>
         <p:spPr>
           <a:xfrm>
-            <a:off x="720000" y="1440000"/>
-            <a:ext cx="4215960" cy="1716840"/>
+            <a:off x="504000" y="1326600"/>
+            <a:ext cx="4426920" cy="1568520"/>
           </a:xfrm>
           <a:prstGeom prst="rect">
             <a:avLst/>
@@ -1322,8 +1322,8 @@
         </p:nvSpPr>
         <p:spPr>
           <a:xfrm>
-            <a:off x="5147280" y="1440000"/>
-            <a:ext cx="4215960" cy="1716840"/>
+            <a:off x="5152680" y="1326600"/>
+            <a:ext cx="4426920" cy="1568520"/>
           </a:xfrm>
           <a:prstGeom prst="rect">
             <a:avLst/>
@@ -1352,8 +1352,8 @@
         </p:nvSpPr>
         <p:spPr>
           <a:xfrm>
-            <a:off x="720000" y="3320280"/>
-            <a:ext cx="8639640" cy="1716840"/>
+            <a:off x="504000" y="3044520"/>
+            <a:ext cx="9072000" cy="1568520"/>
           </a:xfrm>
           <a:prstGeom prst="rect">
             <a:avLst/>
@@ -1401,7 +1401,7 @@
         <p:spPr>
           <a:xfrm>
             <a:off x="0" y="4320000"/>
-            <a:ext cx="1980000" cy="1350000"/>
+            <a:ext cx="1979640" cy="1349640"/>
           </a:xfrm>
           <a:custGeom>
             <a:avLst/>
@@ -1449,7 +1449,7 @@
         <p:spPr>
           <a:xfrm>
             <a:off x="0" y="0"/>
-            <a:ext cx="1080000" cy="3420000"/>
+            <a:ext cx="1079640" cy="3419640"/>
           </a:xfrm>
           <a:custGeom>
             <a:avLst/>
@@ -1497,7 +1497,7 @@
         <p:spPr>
           <a:xfrm>
             <a:off x="7740000" y="0"/>
-            <a:ext cx="2340000" cy="1620000"/>
+            <a:ext cx="2339640" cy="1619640"/>
           </a:xfrm>
           <a:custGeom>
             <a:avLst/>
@@ -1545,7 +1545,7 @@
         <p:spPr>
           <a:xfrm>
             <a:off x="9000000" y="2520000"/>
-            <a:ext cx="1080000" cy="3150000"/>
+            <a:ext cx="1079640" cy="3149640"/>
           </a:xfrm>
           <a:custGeom>
             <a:avLst/>
@@ -1596,8 +1596,8 @@
         </p:nvSpPr>
         <p:spPr>
           <a:xfrm>
-            <a:off x="720000" y="360000"/>
-            <a:ext cx="8639640" cy="899640"/>
+            <a:off x="504000" y="226080"/>
+            <a:ext cx="9072000" cy="946440"/>
           </a:xfrm>
           <a:prstGeom prst="rect">
             <a:avLst/>
@@ -1608,13 +1608,14 @@
             <a:noAutofit/>
           </a:bodyPr>
           <a:p>
-            <a:r>
-              <a:rPr b="0" lang="en-US" sz="1800" spc="-1" strike="noStrike">
+            <a:pPr algn="ctr"/>
+            <a:r>
+              <a:rPr b="0" lang="en-US" sz="4400" spc="-1" strike="noStrike">
                 <a:latin typeface="Arial"/>
               </a:rPr>
               <a:t>Для правки текста заглавия щёлкните мышью</a:t>
             </a:r>
-            <a:endParaRPr b="0" lang="en-US" sz="1800" spc="-1" strike="noStrike">
+            <a:endParaRPr b="0" lang="en-US" sz="4400" spc="-1" strike="noStrike">
               <a:latin typeface="Arial"/>
             </a:endParaRPr>
           </a:p>
@@ -1632,8 +1633,8 @@
         </p:nvSpPr>
         <p:spPr>
           <a:xfrm>
-            <a:off x="720000" y="1440000"/>
-            <a:ext cx="8639640" cy="3599640"/>
+            <a:off x="504000" y="1326600"/>
+            <a:ext cx="9072000" cy="3288600"/>
           </a:xfrm>
           <a:prstGeom prst="rect">
             <a:avLst/>
@@ -1656,12 +1657,12 @@
               <a:buChar char=""/>
             </a:pPr>
             <a:r>
-              <a:rPr b="0" lang="en-US" sz="1800" spc="-1" strike="noStrike">
+              <a:rPr b="0" lang="en-US" sz="3200" spc="-1" strike="noStrike">
                 <a:latin typeface="Arial"/>
               </a:rPr>
               <a:t>Для правки структуры щёлкните мышью</a:t>
             </a:r>
-            <a:endParaRPr b="0" lang="en-US" sz="1800" spc="-1" strike="noStrike">
+            <a:endParaRPr b="0" lang="en-US" sz="3200" spc="-1" strike="noStrike">
               <a:latin typeface="Arial"/>
             </a:endParaRPr>
           </a:p>
@@ -1678,12 +1679,12 @@
               <a:buChar char=""/>
             </a:pPr>
             <a:r>
-              <a:rPr b="0" lang="en-US" sz="1800" spc="-1" strike="noStrike">
+              <a:rPr b="0" lang="en-US" sz="2800" spc="-1" strike="noStrike">
                 <a:latin typeface="Arial"/>
               </a:rPr>
               <a:t>Второй уровень структуры</a:t>
             </a:r>
-            <a:endParaRPr b="0" lang="en-US" sz="1800" spc="-1" strike="noStrike">
+            <a:endParaRPr b="0" lang="en-US" sz="2800" spc="-1" strike="noStrike">
               <a:latin typeface="Arial"/>
             </a:endParaRPr>
           </a:p>
@@ -1700,12 +1701,12 @@
               <a:buChar char=""/>
             </a:pPr>
             <a:r>
-              <a:rPr b="0" lang="en-US" sz="1800" spc="-1" strike="noStrike">
+              <a:rPr b="0" lang="en-US" sz="2400" spc="-1" strike="noStrike">
                 <a:latin typeface="Arial"/>
               </a:rPr>
               <a:t>Третий уровень структуры</a:t>
             </a:r>
-            <a:endParaRPr b="0" lang="en-US" sz="1800" spc="-1" strike="noStrike">
+            <a:endParaRPr b="0" lang="en-US" sz="2400" spc="-1" strike="noStrike">
               <a:latin typeface="Arial"/>
             </a:endParaRPr>
           </a:p>
@@ -1722,12 +1723,12 @@
               <a:buChar char=""/>
             </a:pPr>
             <a:r>
-              <a:rPr b="0" lang="en-US" sz="1800" spc="-1" strike="noStrike">
+              <a:rPr b="0" lang="en-US" sz="2000" spc="-1" strike="noStrike">
                 <a:latin typeface="Arial"/>
               </a:rPr>
               <a:t>Четвёртый уровень структуры</a:t>
             </a:r>
-            <a:endParaRPr b="0" lang="en-US" sz="1800" spc="-1" strike="noStrike">
+            <a:endParaRPr b="0" lang="en-US" sz="2000" spc="-1" strike="noStrike">
               <a:latin typeface="Arial"/>
             </a:endParaRPr>
           </a:p>
@@ -1744,12 +1745,12 @@
               <a:buChar char=""/>
             </a:pPr>
             <a:r>
-              <a:rPr b="0" lang="en-US" sz="1800" spc="-1" strike="noStrike">
+              <a:rPr b="0" lang="en-US" sz="2000" spc="-1" strike="noStrike">
                 <a:latin typeface="Arial"/>
               </a:rPr>
               <a:t>Пятый уровень структуры</a:t>
             </a:r>
-            <a:endParaRPr b="0" lang="en-US" sz="1800" spc="-1" strike="noStrike">
+            <a:endParaRPr b="0" lang="en-US" sz="2000" spc="-1" strike="noStrike">
               <a:latin typeface="Arial"/>
             </a:endParaRPr>
           </a:p>
@@ -1766,12 +1767,12 @@
               <a:buChar char=""/>
             </a:pPr>
             <a:r>
-              <a:rPr b="0" lang="en-US" sz="1800" spc="-1" strike="noStrike">
+              <a:rPr b="0" lang="en-US" sz="2000" spc="-1" strike="noStrike">
                 <a:latin typeface="Arial"/>
               </a:rPr>
               <a:t>Шестой уровень структуры</a:t>
             </a:r>
-            <a:endParaRPr b="0" lang="en-US" sz="1800" spc="-1" strike="noStrike">
+            <a:endParaRPr b="0" lang="en-US" sz="2000" spc="-1" strike="noStrike">
               <a:latin typeface="Arial"/>
             </a:endParaRPr>
           </a:p>
@@ -1788,12 +1789,12 @@
               <a:buChar char=""/>
             </a:pPr>
             <a:r>
-              <a:rPr b="0" lang="en-US" sz="1800" spc="-1" strike="noStrike">
+              <a:rPr b="0" lang="en-US" sz="2000" spc="-1" strike="noStrike">
                 <a:latin typeface="Arial"/>
               </a:rPr>
               <a:t>Седьмой уровень структуры</a:t>
             </a:r>
-            <a:endParaRPr b="0" lang="en-US" sz="1800" spc="-1" strike="noStrike">
+            <a:endParaRPr b="0" lang="en-US" sz="2000" spc="-1" strike="noStrike">
               <a:latin typeface="Arial"/>
             </a:endParaRPr>
           </a:p>
@@ -1845,7 +1846,7 @@
         <p:spPr>
           <a:xfrm>
             <a:off x="720000" y="2340000"/>
-            <a:ext cx="8639640" cy="899640"/>
+            <a:ext cx="8639280" cy="899280"/>
           </a:xfrm>
           <a:prstGeom prst="rect">
             <a:avLst/>
@@ -1853,7 +1854,7 @@
           <a:noFill/>
           <a:ln w="0">
             <a:solidFill>
-              <a:srgbClr val="3465a4"/>
+              <a:srgbClr val="ffffff"/>
             </a:solidFill>
           </a:ln>
         </p:spPr>
@@ -1879,6 +1880,7 @@
                   <a:srgbClr val="333333"/>
                 </a:solidFill>
                 <a:latin typeface="DejaVu Sans Condensed"/>
+                <a:ea typeface="DejaVu Sans"/>
               </a:rPr>
               <a:t>Парсер котировок акций</a:t>
             </a:r>
@@ -1897,7 +1899,7 @@
         <p:spPr>
           <a:xfrm>
             <a:off x="720000" y="4114800"/>
-            <a:ext cx="2519640" cy="976680"/>
+            <a:ext cx="2519280" cy="976320"/>
           </a:xfrm>
           <a:prstGeom prst="rect">
             <a:avLst/>
@@ -1925,7 +1927,11 @@
             </a:pPr>
             <a:r>
               <a:rPr b="0" lang="ru-RU" sz="1800" spc="-1" strike="noStrike">
+                <a:solidFill>
+                  <a:srgbClr val="000000"/>
+                </a:solidFill>
                 <a:latin typeface="DejaVu Sans"/>
+                <a:ea typeface="DejaVu Sans"/>
               </a:rPr>
               <a:t>Выполнил работу:</a:t>
             </a:r>
@@ -1941,7 +1947,11 @@
             </a:pPr>
             <a:r>
               <a:rPr b="0" lang="ru-RU" sz="1800" spc="-1" strike="noStrike">
+                <a:solidFill>
+                  <a:srgbClr val="000000"/>
+                </a:solidFill>
                 <a:latin typeface="DejaVu Sans"/>
+                <a:ea typeface="DejaVu Sans"/>
               </a:rPr>
               <a:t>Никита Будаев</a:t>
             </a:r>
@@ -1960,7 +1970,7 @@
         <p:spPr>
           <a:xfrm>
             <a:off x="4320000" y="5078520"/>
-            <a:ext cx="1619640" cy="681120"/>
+            <a:ext cx="1619280" cy="680760"/>
           </a:xfrm>
           <a:prstGeom prst="rect">
             <a:avLst/>
@@ -1988,7 +1998,11 @@
             </a:pPr>
             <a:r>
               <a:rPr b="0" lang="ru-RU" sz="2000" spc="-1" strike="noStrike">
+                <a:solidFill>
+                  <a:srgbClr val="000000"/>
+                </a:solidFill>
                 <a:latin typeface="DejaVu Sans"/>
+                <a:ea typeface="DejaVu Sans"/>
               </a:rPr>
               <a:t>18.05.21</a:t>
             </a:r>
@@ -2037,16 +2051,14 @@
         <p:spPr>
           <a:xfrm>
             <a:off x="720000" y="360000"/>
-            <a:ext cx="8639640" cy="899640"/>
+            <a:ext cx="8639280" cy="899280"/>
           </a:xfrm>
           <a:prstGeom prst="rect">
             <a:avLst/>
           </a:prstGeom>
           <a:noFill/>
           <a:ln w="0">
-            <a:solidFill>
-              <a:srgbClr val="3465a4"/>
-            </a:solidFill>
+            <a:noFill/>
           </a:ln>
         </p:spPr>
         <p:style>
@@ -2071,6 +2083,7 @@
                   <a:srgbClr val="333333"/>
                 </a:solidFill>
                 <a:latin typeface="DejaVu Sans Condensed"/>
+                <a:ea typeface="DejaVu Sans"/>
               </a:rPr>
               <a:t>Цели проекта</a:t>
             </a:r>
@@ -2089,7 +2102,7 @@
         <p:spPr>
           <a:xfrm>
             <a:off x="720000" y="1440000"/>
-            <a:ext cx="8639640" cy="3599640"/>
+            <a:ext cx="8639280" cy="3599280"/>
           </a:xfrm>
           <a:prstGeom prst="rect">
             <a:avLst/>
@@ -2110,7 +2123,7 @@
             <a:normAutofit/>
           </a:bodyPr>
           <a:p>
-            <a:pPr marL="432000" indent="-323640">
+            <a:pPr marL="432000" indent="-323280">
               <a:lnSpc>
                 <a:spcPct val="100000"/>
               </a:lnSpc>
@@ -2133,18 +2146,16 @@
                   <a:srgbClr val="000000"/>
                 </a:solidFill>
                 <a:latin typeface="DejaVu Sans"/>
-              </a:rPr>
-              <a:t>Реализовать возможность получения котировок ценных бумаг</a:t>
+                <a:ea typeface="DejaVu Sans"/>
+              </a:rPr>
+              <a:t>Придумать алгоритм получения котировок ценных бумаг</a:t>
             </a:r>
             <a:endParaRPr b="0" lang="en-US" sz="2400" spc="-1" strike="noStrike">
-              <a:solidFill>
-                <a:srgbClr val="000000"/>
-              </a:solidFill>
-              <a:latin typeface="Arial"/>
-            </a:endParaRPr>
-          </a:p>
-          <a:p>
-            <a:pPr marL="432000" indent="-323640">
+              <a:latin typeface="Arial"/>
+            </a:endParaRPr>
+          </a:p>
+          <a:p>
+            <a:pPr marL="432000" indent="-323280">
               <a:lnSpc>
                 <a:spcPct val="100000"/>
               </a:lnSpc>
@@ -2167,18 +2178,16 @@
                   <a:srgbClr val="000000"/>
                 </a:solidFill>
                 <a:latin typeface="DejaVu Sans"/>
+                <a:ea typeface="DejaVu Sans"/>
               </a:rPr>
               <a:t>Добавить возможность переносить данные в таблицу exel</a:t>
             </a:r>
             <a:endParaRPr b="0" lang="en-US" sz="2400" spc="-1" strike="noStrike">
-              <a:solidFill>
-                <a:srgbClr val="000000"/>
-              </a:solidFill>
-              <a:latin typeface="Arial"/>
-            </a:endParaRPr>
-          </a:p>
-          <a:p>
-            <a:pPr marL="432000" indent="-323640">
+              <a:latin typeface="Arial"/>
+            </a:endParaRPr>
+          </a:p>
+          <a:p>
+            <a:pPr marL="432000" indent="-323280">
               <a:lnSpc>
                 <a:spcPct val="100000"/>
               </a:lnSpc>
@@ -2201,13 +2210,11 @@
                   <a:srgbClr val="000000"/>
                 </a:solidFill>
                 <a:latin typeface="DejaVu Sans"/>
-              </a:rPr>
-              <a:t>Добавить возможность запуска программы непосредственно через exel с использованием макросов</a:t>
+                <a:ea typeface="DejaVu Sans"/>
+              </a:rPr>
+              <a:t>Реализовать возможность запуска программы непосредственно через exel с использованием макросов</a:t>
             </a:r>
             <a:endParaRPr b="0" lang="en-US" sz="2400" spc="-1" strike="noStrike">
-              <a:solidFill>
-                <a:srgbClr val="000000"/>
-              </a:solidFill>
               <a:latin typeface="Arial"/>
             </a:endParaRPr>
           </a:p>
@@ -2252,16 +2259,14 @@
         <p:spPr>
           <a:xfrm>
             <a:off x="720000" y="360000"/>
-            <a:ext cx="8639640" cy="899640"/>
+            <a:ext cx="8639280" cy="899280"/>
           </a:xfrm>
           <a:prstGeom prst="rect">
             <a:avLst/>
           </a:prstGeom>
           <a:noFill/>
           <a:ln w="0">
-            <a:solidFill>
-              <a:srgbClr val="3465a4"/>
-            </a:solidFill>
+            <a:noFill/>
           </a:ln>
         </p:spPr>
         <p:style>
@@ -2286,6 +2291,7 @@
                   <a:srgbClr val="333333"/>
                 </a:solidFill>
                 <a:latin typeface="DejaVu Sans Condensed"/>
+                <a:ea typeface="DejaVu Sans"/>
               </a:rPr>
               <a:t>Что такое парсер</a:t>
             </a:r>
@@ -2303,8 +2309,8 @@
         </p:nvSpPr>
         <p:spPr>
           <a:xfrm>
-            <a:off x="720000" y="1828800"/>
-            <a:ext cx="8099640" cy="531720"/>
+            <a:off x="914400" y="1828800"/>
+            <a:ext cx="8099280" cy="531360"/>
           </a:xfrm>
           <a:prstGeom prst="rect">
             <a:avLst/>
@@ -2336,13 +2342,11 @@
                   <a:srgbClr val="000000"/>
                 </a:solidFill>
                 <a:latin typeface="DejaVu Sans"/>
+                <a:ea typeface="DejaVu Sans"/>
               </a:rPr>
               <a:t>Парсить — собирать и систематизировать информацию, размещенную на определенных сайтах, с помощью специальных программ, автоматизирующих процесс.</a:t>
             </a:r>
             <a:endParaRPr b="0" lang="en-US" sz="2000" spc="-1" strike="noStrike">
-              <a:solidFill>
-                <a:srgbClr val="000000"/>
-              </a:solidFill>
               <a:latin typeface="Arial"/>
             </a:endParaRPr>
           </a:p>
@@ -2356,8 +2360,8 @@
         </p:nvSpPr>
         <p:spPr>
           <a:xfrm>
-            <a:off x="720000" y="2971800"/>
-            <a:ext cx="7739640" cy="531720"/>
+            <a:off x="914400" y="2926080"/>
+            <a:ext cx="7739280" cy="531360"/>
           </a:xfrm>
           <a:prstGeom prst="rect">
             <a:avLst/>
@@ -2389,13 +2393,11 @@
                   <a:srgbClr val="000000"/>
                 </a:solidFill>
                 <a:latin typeface="DejaVu Sans"/>
+                <a:ea typeface="DejaVu Sans"/>
               </a:rPr>
               <a:t>Парсер — программа для автоматизирования парсинга</a:t>
             </a:r>
             <a:endParaRPr b="0" lang="en-US" sz="2000" spc="-1" strike="noStrike">
-              <a:solidFill>
-                <a:srgbClr val="000000"/>
-              </a:solidFill>
               <a:latin typeface="Arial"/>
             </a:endParaRPr>
           </a:p>
@@ -2413,8 +2415,8 @@
         </p:blipFill>
         <p:spPr>
           <a:xfrm>
-            <a:off x="3886200" y="3657600"/>
-            <a:ext cx="2743200" cy="1886040"/>
+            <a:off x="3200400" y="3457440"/>
+            <a:ext cx="4114800" cy="2101680"/>
           </a:xfrm>
           <a:prstGeom prst="rect">
             <a:avLst/>
@@ -2463,16 +2465,14 @@
         <p:spPr>
           <a:xfrm>
             <a:off x="720000" y="360000"/>
-            <a:ext cx="8639640" cy="899640"/>
+            <a:ext cx="8639280" cy="899280"/>
           </a:xfrm>
           <a:prstGeom prst="rect">
             <a:avLst/>
           </a:prstGeom>
           <a:noFill/>
           <a:ln w="0">
-            <a:solidFill>
-              <a:srgbClr val="3465a4"/>
-            </a:solidFill>
+            <a:noFill/>
           </a:ln>
         </p:spPr>
         <p:style>
@@ -2497,6 +2497,7 @@
                   <a:srgbClr val="333333"/>
                 </a:solidFill>
                 <a:latin typeface="DejaVu Sans Condensed"/>
+                <a:ea typeface="DejaVu Sans"/>
               </a:rPr>
               <a:t>Источник</a:t>
             </a:r>
@@ -2515,7 +2516,7 @@
         <p:spPr>
           <a:xfrm>
             <a:off x="685800" y="1371600"/>
-            <a:ext cx="8756640" cy="976320"/>
+            <a:ext cx="8756280" cy="975960"/>
           </a:xfrm>
           <a:prstGeom prst="rect">
             <a:avLst/>
@@ -2543,7 +2544,11 @@
             </a:pPr>
             <a:r>
               <a:rPr b="0" lang="ru-RU" sz="2000" spc="-1" strike="noStrike">
+                <a:solidFill>
+                  <a:srgbClr val="000000"/>
+                </a:solidFill>
                 <a:latin typeface="DejaVu Sans"/>
+                <a:ea typeface="DejaVu Sans"/>
               </a:rPr>
               <a:t>Для того, чтобы получить информацию о ценных бумагах  нужен источник и с этой целью был выбран сайт investing.com</a:t>
             </a:r>
@@ -2566,7 +2571,7 @@
         <p:spPr>
           <a:xfrm>
             <a:off x="2743200" y="2514600"/>
-            <a:ext cx="4730760" cy="2872800"/>
+            <a:ext cx="4730400" cy="2872440"/>
           </a:xfrm>
           <a:prstGeom prst="rect">
             <a:avLst/>
@@ -2615,16 +2620,14 @@
         <p:spPr>
           <a:xfrm>
             <a:off x="720000" y="360000"/>
-            <a:ext cx="8639640" cy="899640"/>
+            <a:ext cx="8639280" cy="899280"/>
           </a:xfrm>
           <a:prstGeom prst="rect">
             <a:avLst/>
           </a:prstGeom>
           <a:noFill/>
           <a:ln w="0">
-            <a:solidFill>
-              <a:srgbClr val="3465a4"/>
-            </a:solidFill>
+            <a:noFill/>
           </a:ln>
         </p:spPr>
         <p:style>
@@ -2649,6 +2652,7 @@
                   <a:srgbClr val="333333"/>
                 </a:solidFill>
                 <a:latin typeface="DejaVu Sans Condensed"/>
+                <a:ea typeface="DejaVu Sans"/>
               </a:rPr>
               <a:t>Работа программы</a:t>
             </a:r>
@@ -2666,8 +2670,8 @@
         </p:nvSpPr>
         <p:spPr>
           <a:xfrm>
-            <a:off x="720000" y="1594440"/>
-            <a:ext cx="6479640" cy="925200"/>
+            <a:off x="720000" y="1371600"/>
+            <a:ext cx="6479280" cy="924840"/>
           </a:xfrm>
           <a:prstGeom prst="rect">
             <a:avLst/>
@@ -2695,7 +2699,11 @@
             </a:pPr>
             <a:r>
               <a:rPr b="0" lang="ru-RU" sz="2000" spc="-1" strike="noStrike">
+                <a:solidFill>
+                  <a:srgbClr val="000000"/>
+                </a:solidFill>
                 <a:latin typeface="DejaVu Sans"/>
+                <a:ea typeface="DejaVu Sans"/>
               </a:rPr>
               <a:t>Для работы программы я использовал следующие библиотеки:</a:t>
             </a:r>
@@ -2713,8 +2721,8 @@
         </p:nvSpPr>
         <p:spPr>
           <a:xfrm>
-            <a:off x="730080" y="2286000"/>
-            <a:ext cx="6469560" cy="2339640"/>
+            <a:off x="730080" y="2057400"/>
+            <a:ext cx="6469200" cy="2339280"/>
           </a:xfrm>
           <a:prstGeom prst="rect">
             <a:avLst/>
@@ -2742,7 +2750,11 @@
             </a:pPr>
             <a:r>
               <a:rPr b="0" lang="ru-RU" sz="2000" spc="-1" strike="noStrike">
+                <a:solidFill>
+                  <a:srgbClr val="000000"/>
+                </a:solidFill>
                 <a:latin typeface="DejaVu Sans"/>
+                <a:ea typeface="DejaVu Sans"/>
               </a:rPr>
               <a:t>Requests — для отправки запросов на сайт</a:t>
             </a:r>
@@ -2758,7 +2770,11 @@
             </a:pPr>
             <a:r>
               <a:rPr b="0" lang="ru-RU" sz="2000" spc="-1" strike="noStrike">
+                <a:solidFill>
+                  <a:srgbClr val="000000"/>
+                </a:solidFill>
                 <a:latin typeface="DejaVu Sans"/>
+                <a:ea typeface="DejaVu Sans"/>
               </a:rPr>
               <a:t>lxml.html — для поиска информации на сайте</a:t>
             </a:r>
@@ -2774,7 +2790,11 @@
             </a:pPr>
             <a:r>
               <a:rPr b="0" lang="ru-RU" sz="2000" spc="-1" strike="noStrike">
+                <a:solidFill>
+                  <a:srgbClr val="000000"/>
+                </a:solidFill>
                 <a:latin typeface="DejaVu Sans"/>
+                <a:ea typeface="DejaVu Sans"/>
               </a:rPr>
               <a:t>Pandas — для работы с exel</a:t>
             </a:r>
@@ -2807,7 +2827,7 @@
         <p:spPr>
           <a:xfrm>
             <a:off x="3429000" y="3328200"/>
-            <a:ext cx="3927600" cy="2342520"/>
+            <a:ext cx="3927240" cy="2342160"/>
           </a:xfrm>
           <a:prstGeom prst="rect">
             <a:avLst/>
@@ -2856,16 +2876,14 @@
         <p:spPr>
           <a:xfrm>
             <a:off x="720000" y="360000"/>
-            <a:ext cx="8639640" cy="899640"/>
+            <a:ext cx="8639280" cy="899280"/>
           </a:xfrm>
           <a:prstGeom prst="rect">
             <a:avLst/>
           </a:prstGeom>
           <a:noFill/>
           <a:ln w="0">
-            <a:solidFill>
-              <a:srgbClr val="3465a4"/>
-            </a:solidFill>
+            <a:noFill/>
           </a:ln>
         </p:spPr>
         <p:style>
@@ -2890,6 +2908,7 @@
                   <a:srgbClr val="333333"/>
                 </a:solidFill>
                 <a:latin typeface="DejaVu Sans Condensed"/>
+                <a:ea typeface="DejaVu Sans"/>
               </a:rPr>
               <a:t>Алгоритм работы:</a:t>
             </a:r>
@@ -2908,7 +2927,7 @@
         <p:spPr>
           <a:xfrm>
             <a:off x="720000" y="1440000"/>
-            <a:ext cx="8639640" cy="3599640"/>
+            <a:ext cx="8639280" cy="3599280"/>
           </a:xfrm>
           <a:prstGeom prst="rect">
             <a:avLst/>
@@ -2928,13 +2947,13 @@
       <p:sp>
         <p:nvSpPr>
           <p:cNvPr id="60" name=""/>
-          <p:cNvSpPr txBox="1"/>
+          <p:cNvSpPr/>
           <p:nvPr/>
         </p:nvSpPr>
         <p:spPr>
           <a:xfrm>
-            <a:off x="720000" y="1600200"/>
-            <a:ext cx="8424000" cy="3360600"/>
+            <a:off x="1177560" y="1828800"/>
+            <a:ext cx="8423640" cy="3360240"/>
           </a:xfrm>
           <a:prstGeom prst="rect">
             <a:avLst/>
@@ -2944,22 +2963,27 @@
             <a:noFill/>
           </a:ln>
         </p:spPr>
+        <p:style>
+          <a:lnRef idx="0"/>
+          <a:fillRef idx="0"/>
+          <a:effectRef idx="0"/>
+          <a:fontRef idx="minor"/>
+        </p:style>
         <p:txBody>
           <a:bodyPr lIns="90000" rIns="90000" tIns="45000" bIns="45000">
             <a:noAutofit/>
           </a:bodyPr>
           <a:p>
-            <a:r>
-              <a:rPr b="0" lang="en-US" sz="2500" spc="-1" strike="noStrike">
-                <a:latin typeface="Arial"/>
-              </a:rPr>
-              <a:t>1) Загрузка </a:t>
-            </a:r>
-            <a:r>
-              <a:rPr b="0" lang="ru-RU" sz="2500" spc="-1" strike="noStrike">
-                <a:latin typeface="Arial"/>
-              </a:rPr>
-              <a:t>конфигурации и баз данных</a:t>
+            <a:pPr>
+              <a:lnSpc>
+                <a:spcPct val="100000"/>
+              </a:lnSpc>
+            </a:pPr>
+            <a:r>
+              <a:rPr b="0" lang="tg-Cyrl-TJ" sz="2500" spc="-1" strike="noStrike">
+                <a:latin typeface="Arial"/>
+              </a:rPr>
+              <a:t>1) Загрузка конфигурации и баз данных</a:t>
             </a:r>
             <a:endParaRPr b="0" lang="en-US" sz="2500" spc="-1" strike="noStrike">
               <a:latin typeface="Arial"/>
@@ -2985,7 +3009,49 @@
               <a:rPr b="0" lang="en-US" sz="2500" spc="-1" strike="noStrike">
                 <a:latin typeface="Arial"/>
               </a:rPr>
-              <a:t>2) Отправка запросов на сайт</a:t>
+              <a:t>2) </a:t>
+            </a:r>
+            <a:r>
+              <a:rPr b="0" lang="ru-RU" sz="2500" spc="-1" strike="noStrike">
+                <a:latin typeface="Arial"/>
+              </a:rPr>
+              <a:t>Отправка</a:t>
+            </a:r>
+            <a:r>
+              <a:rPr b="0" lang="en-US" sz="2500" spc="-1" strike="noStrike">
+                <a:latin typeface="Arial"/>
+              </a:rPr>
+              <a:t> </a:t>
+            </a:r>
+            <a:r>
+              <a:rPr b="0" lang="ru-RU" sz="2500" spc="-1" strike="noStrike">
+                <a:latin typeface="Arial"/>
+              </a:rPr>
+              <a:t>запросов</a:t>
+            </a:r>
+            <a:r>
+              <a:rPr b="0" lang="en-US" sz="2500" spc="-1" strike="noStrike">
+                <a:latin typeface="Arial"/>
+              </a:rPr>
+              <a:t> </a:t>
+            </a:r>
+            <a:r>
+              <a:rPr b="0" lang="ru-RU" sz="2500" spc="-1" strike="noStrike">
+                <a:latin typeface="Arial"/>
+              </a:rPr>
+              <a:t>на</a:t>
+            </a:r>
+            <a:r>
+              <a:rPr b="0" lang="en-US" sz="2500" spc="-1" strike="noStrike">
+                <a:latin typeface="Arial"/>
+              </a:rPr>
+              <a:t> </a:t>
+            </a:r>
+            <a:r>
+              <a:rPr b="0" lang="ru-RU" sz="2500" spc="-1" strike="noStrike">
+                <a:latin typeface="Arial"/>
+              </a:rPr>
+              <a:t>сайт</a:t>
             </a:r>
             <a:endParaRPr b="0" lang="en-US" sz="2500" spc="-1" strike="noStrike">
               <a:latin typeface="Arial"/>
@@ -3011,7 +3077,43 @@
               <a:rPr b="0" lang="en-US" sz="2500" spc="-1" strike="noStrike">
                 <a:latin typeface="Arial"/>
               </a:rPr>
-              <a:t>3) Запись в таблицу Exel</a:t>
+              <a:t>3) </a:t>
+            </a:r>
+            <a:r>
+              <a:rPr b="0" lang="ru-RU" sz="2500" spc="-1" strike="noStrike">
+                <a:latin typeface="Arial"/>
+              </a:rPr>
+              <a:t>Запись</a:t>
+            </a:r>
+            <a:r>
+              <a:rPr b="0" lang="en-US" sz="2500" spc="-1" strike="noStrike">
+                <a:latin typeface="Arial"/>
+              </a:rPr>
+              <a:t> </a:t>
+            </a:r>
+            <a:r>
+              <a:rPr b="0" lang="ru-RU" sz="2500" spc="-1" strike="noStrike">
+                <a:latin typeface="Arial"/>
+              </a:rPr>
+              <a:t>в</a:t>
+            </a:r>
+            <a:r>
+              <a:rPr b="0" lang="en-US" sz="2500" spc="-1" strike="noStrike">
+                <a:latin typeface="Arial"/>
+              </a:rPr>
+              <a:t> </a:t>
+            </a:r>
+            <a:r>
+              <a:rPr b="0" lang="ru-RU" sz="2500" spc="-1" strike="noStrike">
+                <a:latin typeface="Arial"/>
+              </a:rPr>
+              <a:t>таблицу</a:t>
+            </a:r>
+            <a:r>
+              <a:rPr b="0" lang="en-US" sz="2500" spc="-1" strike="noStrike">
+                <a:latin typeface="Arial"/>
+              </a:rPr>
+              <a:t> Exel</a:t>
             </a:r>
             <a:endParaRPr b="0" lang="en-US" sz="2500" spc="-1" strike="noStrike">
               <a:latin typeface="Arial"/>
@@ -3032,7 +3134,7 @@
         <p:spPr>
           <a:xfrm>
             <a:off x="5565600" y="2743200"/>
-            <a:ext cx="3121200" cy="2536200"/>
+            <a:ext cx="3120840" cy="2535840"/>
           </a:xfrm>
           <a:prstGeom prst="rect">
             <a:avLst/>
@@ -3075,13 +3177,13 @@
       <p:sp>
         <p:nvSpPr>
           <p:cNvPr id="62" name=""/>
-          <p:cNvSpPr txBox="1"/>
+          <p:cNvSpPr/>
           <p:nvPr/>
         </p:nvSpPr>
         <p:spPr>
           <a:xfrm>
             <a:off x="720000" y="360000"/>
-            <a:ext cx="8639640" cy="899640"/>
+            <a:ext cx="8639280" cy="899280"/>
           </a:xfrm>
           <a:prstGeom prst="rect">
             <a:avLst/>
@@ -3091,12 +3193,22 @@
             <a:noFill/>
           </a:ln>
         </p:spPr>
+        <p:style>
+          <a:lnRef idx="0"/>
+          <a:fillRef idx="0"/>
+          <a:effectRef idx="0"/>
+          <a:fontRef idx="minor"/>
+        </p:style>
         <p:txBody>
           <a:bodyPr lIns="0" rIns="0" tIns="0" bIns="0" anchor="ctr">
             <a:noAutofit/>
           </a:bodyPr>
           <a:p>
-            <a:pPr algn="ctr"/>
+            <a:pPr algn="ctr">
+              <a:lnSpc>
+                <a:spcPct val="100000"/>
+              </a:lnSpc>
+            </a:pPr>
             <a:r>
               <a:rPr b="0" lang="ru-RU" sz="4400" spc="-1" strike="noStrike">
                 <a:latin typeface="Arial"/>
@@ -3124,13 +3236,13 @@
       <p:sp>
         <p:nvSpPr>
           <p:cNvPr id="63" name=""/>
-          <p:cNvSpPr txBox="1"/>
+          <p:cNvSpPr/>
           <p:nvPr/>
         </p:nvSpPr>
         <p:spPr>
           <a:xfrm>
             <a:off x="720000" y="2057400"/>
-            <a:ext cx="8424000" cy="1857960"/>
+            <a:ext cx="8423640" cy="1857600"/>
           </a:xfrm>
           <a:prstGeom prst="rect">
             <a:avLst/>
@@ -3140,16 +3252,391 @@
             <a:noFill/>
           </a:ln>
         </p:spPr>
+        <p:style>
+          <a:lnRef idx="0"/>
+          <a:fillRef idx="0"/>
+          <a:effectRef idx="0"/>
+          <a:fontRef idx="minor"/>
+        </p:style>
         <p:txBody>
           <a:bodyPr lIns="90000" rIns="90000" tIns="45000" bIns="45000">
             <a:noAutofit/>
           </a:bodyPr>
           <a:p>
+            <a:pPr>
+              <a:lnSpc>
+                <a:spcPct val="100000"/>
+              </a:lnSpc>
+            </a:pPr>
+            <a:r>
+              <a:rPr b="0" lang="ru-RU" sz="2500" spc="-1" strike="noStrike">
+                <a:latin typeface="Arial"/>
+              </a:rPr>
+              <a:t>Значение</a:t>
+            </a:r>
             <a:r>
               <a:rPr b="0" lang="en-US" sz="2500" spc="-1" strike="noStrike">
                 <a:latin typeface="Arial"/>
               </a:rPr>
-              <a:t>Значение программы заключается в том, что она позволяет автоматически записывать данные в таблицу, для более удобного чтения и работы, а так же в отличии google таблиц и exel 365 получать котировки русских компаний.</a:t>
+              <a:t> </a:t>
+            </a:r>
+            <a:r>
+              <a:rPr b="0" lang="ru-RU" sz="2500" spc="-1" strike="noStrike">
+                <a:latin typeface="Arial"/>
+              </a:rPr>
+              <a:t>программы</a:t>
+            </a:r>
+            <a:r>
+              <a:rPr b="0" lang="en-US" sz="2500" spc="-1" strike="noStrike">
+                <a:latin typeface="Arial"/>
+              </a:rPr>
+              <a:t> </a:t>
+            </a:r>
+            <a:r>
+              <a:rPr b="0" lang="ru-RU" sz="2500" spc="-1" strike="noStrike">
+                <a:latin typeface="Arial"/>
+              </a:rPr>
+              <a:t>заключается</a:t>
+            </a:r>
+            <a:r>
+              <a:rPr b="0" lang="en-US" sz="2500" spc="-1" strike="noStrike">
+                <a:latin typeface="Arial"/>
+              </a:rPr>
+              <a:t> </a:t>
+            </a:r>
+            <a:r>
+              <a:rPr b="0" lang="ru-RU" sz="2500" spc="-1" strike="noStrike">
+                <a:latin typeface="Arial"/>
+              </a:rPr>
+              <a:t>в</a:t>
+            </a:r>
+            <a:r>
+              <a:rPr b="0" lang="en-US" sz="2500" spc="-1" strike="noStrike">
+                <a:latin typeface="Arial"/>
+              </a:rPr>
+              <a:t> </a:t>
+            </a:r>
+            <a:r>
+              <a:rPr b="0" lang="ru-RU" sz="2500" spc="-1" strike="noStrike">
+                <a:latin typeface="Arial"/>
+              </a:rPr>
+              <a:t>том</a:t>
+            </a:r>
+            <a:r>
+              <a:rPr b="0" lang="en-US" sz="2500" spc="-1" strike="noStrike">
+                <a:latin typeface="Arial"/>
+              </a:rPr>
+              <a:t>, </a:t>
+            </a:r>
+            <a:r>
+              <a:rPr b="0" lang="ru-RU" sz="2500" spc="-1" strike="noStrike">
+                <a:latin typeface="Arial"/>
+              </a:rPr>
+              <a:t>что</a:t>
+            </a:r>
+            <a:r>
+              <a:rPr b="0" lang="en-US" sz="2500" spc="-1" strike="noStrike">
+                <a:latin typeface="Arial"/>
+              </a:rPr>
+              <a:t> </a:t>
+            </a:r>
+            <a:r>
+              <a:rPr b="0" lang="ru-RU" sz="2500" spc="-1" strike="noStrike">
+                <a:latin typeface="Arial"/>
+              </a:rPr>
+              <a:t>она</a:t>
+            </a:r>
+            <a:r>
+              <a:rPr b="0" lang="en-US" sz="2500" spc="-1" strike="noStrike">
+                <a:latin typeface="Arial"/>
+              </a:rPr>
+              <a:t> </a:t>
+            </a:r>
+            <a:r>
+              <a:rPr b="0" lang="ru-RU" sz="2500" spc="-1" strike="noStrike">
+                <a:latin typeface="Arial"/>
+              </a:rPr>
+              <a:t>позволяет</a:t>
+            </a:r>
+            <a:r>
+              <a:rPr b="0" lang="en-US" sz="2500" spc="-1" strike="noStrike">
+                <a:latin typeface="Arial"/>
+              </a:rPr>
+              <a:t> </a:t>
+            </a:r>
+            <a:r>
+              <a:rPr b="0" lang="ru-RU" sz="2500" spc="-1" strike="noStrike">
+                <a:latin typeface="Arial"/>
+              </a:rPr>
+              <a:t>автоматически</a:t>
+            </a:r>
+            <a:r>
+              <a:rPr b="0" lang="en-US" sz="2500" spc="-1" strike="noStrike">
+                <a:latin typeface="Arial"/>
+              </a:rPr>
+              <a:t> </a:t>
+            </a:r>
+            <a:r>
+              <a:rPr b="0" lang="ru-RU" sz="2500" spc="-1" strike="noStrike">
+                <a:latin typeface="Arial"/>
+              </a:rPr>
+              <a:t>записывать</a:t>
+            </a:r>
+            <a:r>
+              <a:rPr b="0" lang="en-US" sz="2500" spc="-1" strike="noStrike">
+                <a:latin typeface="Arial"/>
+              </a:rPr>
+              <a:t> </a:t>
+            </a:r>
+            <a:r>
+              <a:rPr b="0" lang="ru-RU" sz="2500" spc="-1" strike="noStrike">
+                <a:latin typeface="Arial"/>
+              </a:rPr>
+              <a:t>данные</a:t>
+            </a:r>
+            <a:r>
+              <a:rPr b="0" lang="en-US" sz="2500" spc="-1" strike="noStrike">
+                <a:latin typeface="Arial"/>
+              </a:rPr>
+              <a:t> </a:t>
+            </a:r>
+            <a:r>
+              <a:rPr b="0" lang="ru-RU" sz="2500" spc="-1" strike="noStrike">
+                <a:latin typeface="Arial"/>
+              </a:rPr>
+              <a:t>в</a:t>
+            </a:r>
+            <a:r>
+              <a:rPr b="0" lang="en-US" sz="2500" spc="-1" strike="noStrike">
+                <a:latin typeface="Arial"/>
+              </a:rPr>
+              <a:t> </a:t>
+            </a:r>
+            <a:r>
+              <a:rPr b="0" lang="ru-RU" sz="2500" spc="-1" strike="noStrike">
+                <a:latin typeface="Arial"/>
+              </a:rPr>
+              <a:t>таблицу</a:t>
+            </a:r>
+            <a:r>
+              <a:rPr b="0" lang="en-US" sz="2500" spc="-1" strike="noStrike">
+                <a:latin typeface="Arial"/>
+              </a:rPr>
+              <a:t>, </a:t>
+            </a:r>
+            <a:r>
+              <a:rPr b="0" lang="ru-RU" sz="2500" spc="-1" strike="noStrike">
+                <a:latin typeface="Arial"/>
+              </a:rPr>
+              <a:t>для</a:t>
+            </a:r>
+            <a:r>
+              <a:rPr b="0" lang="en-US" sz="2500" spc="-1" strike="noStrike">
+                <a:latin typeface="Arial"/>
+              </a:rPr>
+              <a:t> </a:t>
+            </a:r>
+            <a:r>
+              <a:rPr b="0" lang="ru-RU" sz="2500" spc="-1" strike="noStrike">
+                <a:latin typeface="Arial"/>
+              </a:rPr>
+              <a:t>более</a:t>
+            </a:r>
+            <a:r>
+              <a:rPr b="0" lang="en-US" sz="2500" spc="-1" strike="noStrike">
+                <a:latin typeface="Arial"/>
+              </a:rPr>
+              <a:t> </a:t>
+            </a:r>
+            <a:r>
+              <a:rPr b="0" lang="ru-RU" sz="2500" spc="-1" strike="noStrike">
+                <a:latin typeface="Arial"/>
+              </a:rPr>
+              <a:t>удобного</a:t>
+            </a:r>
+            <a:r>
+              <a:rPr b="0" lang="en-US" sz="2500" spc="-1" strike="noStrike">
+                <a:latin typeface="Arial"/>
+              </a:rPr>
+              <a:t> </a:t>
+            </a:r>
+            <a:r>
+              <a:rPr b="0" lang="ru-RU" sz="2500" spc="-1" strike="noStrike">
+                <a:latin typeface="Arial"/>
+              </a:rPr>
+              <a:t>чтения</a:t>
+            </a:r>
+            <a:r>
+              <a:rPr b="0" lang="en-US" sz="2500" spc="-1" strike="noStrike">
+                <a:latin typeface="Arial"/>
+              </a:rPr>
+              <a:t> </a:t>
+            </a:r>
+            <a:r>
+              <a:rPr b="0" lang="ru-RU" sz="2500" spc="-1" strike="noStrike">
+                <a:latin typeface="Arial"/>
+              </a:rPr>
+              <a:t>и</a:t>
+            </a:r>
+            <a:r>
+              <a:rPr b="0" lang="en-US" sz="2500" spc="-1" strike="noStrike">
+                <a:latin typeface="Arial"/>
+              </a:rPr>
+              <a:t> </a:t>
+            </a:r>
+            <a:r>
+              <a:rPr b="0" lang="ru-RU" sz="2500" spc="-1" strike="noStrike">
+                <a:latin typeface="Arial"/>
+              </a:rPr>
+              <a:t>работы</a:t>
+            </a:r>
+            <a:r>
+              <a:rPr b="0" lang="en-US" sz="2500" spc="-1" strike="noStrike">
+                <a:latin typeface="Arial"/>
+              </a:rPr>
+              <a:t>, </a:t>
+            </a:r>
+            <a:r>
+              <a:rPr b="0" lang="ru-RU" sz="2500" spc="-1" strike="noStrike">
+                <a:latin typeface="Arial"/>
+              </a:rPr>
+              <a:t>а</a:t>
+            </a:r>
+            <a:r>
+              <a:rPr b="0" lang="en-US" sz="2500" spc="-1" strike="noStrike">
+                <a:latin typeface="Arial"/>
+              </a:rPr>
+              <a:t> </a:t>
+            </a:r>
+            <a:r>
+              <a:rPr b="0" lang="ru-RU" sz="2500" spc="-1" strike="noStrike">
+                <a:latin typeface="Arial"/>
+              </a:rPr>
+              <a:t>так</a:t>
+            </a:r>
+            <a:r>
+              <a:rPr b="0" lang="en-US" sz="2500" spc="-1" strike="noStrike">
+                <a:latin typeface="Arial"/>
+              </a:rPr>
+              <a:t> </a:t>
+            </a:r>
+            <a:r>
+              <a:rPr b="0" lang="ru-RU" sz="2500" spc="-1" strike="noStrike">
+                <a:latin typeface="Arial"/>
+              </a:rPr>
+              <a:t>же</a:t>
+            </a:r>
+            <a:r>
+              <a:rPr b="0" lang="en-US" sz="2500" spc="-1" strike="noStrike">
+                <a:latin typeface="Arial"/>
+              </a:rPr>
+              <a:t> </a:t>
+            </a:r>
+            <a:r>
+              <a:rPr b="0" lang="ru-RU" sz="2500" spc="-1" strike="noStrike">
+                <a:latin typeface="Arial"/>
+              </a:rPr>
+              <a:t>в</a:t>
+            </a:r>
+            <a:r>
+              <a:rPr b="0" lang="en-US" sz="2500" spc="-1" strike="noStrike">
+                <a:latin typeface="Arial"/>
+              </a:rPr>
+              <a:t> </a:t>
+            </a:r>
+            <a:r>
+              <a:rPr b="0" lang="ru-RU" sz="2500" spc="-1" strike="noStrike">
+                <a:latin typeface="Arial"/>
+              </a:rPr>
+              <a:t>отличии</a:t>
+            </a:r>
+            <a:r>
+              <a:rPr b="0" lang="en-US" sz="2500" spc="-1" strike="noStrike">
+                <a:latin typeface="Arial"/>
+              </a:rPr>
+              <a:t> google </a:t>
+            </a:r>
+            <a:r>
+              <a:rPr b="0" lang="ru-RU" sz="2500" spc="-1" strike="noStrike">
+                <a:latin typeface="Arial"/>
+              </a:rPr>
+              <a:t>таблиц</a:t>
+            </a:r>
+            <a:r>
+              <a:rPr b="0" lang="en-US" sz="2500" spc="-1" strike="noStrike">
+                <a:latin typeface="Arial"/>
+              </a:rPr>
+              <a:t> </a:t>
+            </a:r>
+            <a:r>
+              <a:rPr b="0" lang="ru-RU" sz="2500" spc="-1" strike="noStrike">
+                <a:latin typeface="Arial"/>
+              </a:rPr>
+              <a:t>и</a:t>
+            </a:r>
+            <a:r>
+              <a:rPr b="0" lang="en-US" sz="2500" spc="-1" strike="noStrike">
+                <a:latin typeface="Arial"/>
+              </a:rPr>
+              <a:t> exel 365 </a:t>
+            </a:r>
+            <a:r>
+              <a:rPr b="0" lang="ru-RU" sz="2500" spc="-1" strike="noStrike">
+                <a:latin typeface="Arial"/>
+              </a:rPr>
+              <a:t>получать</a:t>
+            </a:r>
+            <a:r>
+              <a:rPr b="0" lang="en-US" sz="2500" spc="-1" strike="noStrike">
+                <a:latin typeface="Arial"/>
+              </a:rPr>
+              <a:t> </a:t>
+            </a:r>
+            <a:r>
+              <a:rPr b="0" lang="ru-RU" sz="2500" spc="-1" strike="noStrike">
+                <a:latin typeface="Arial"/>
+              </a:rPr>
+              <a:t>котировки</a:t>
+            </a:r>
+            <a:endParaRPr b="0" lang="en-US" sz="2500" spc="-1" strike="noStrike">
+              <a:latin typeface="Arial"/>
+            </a:endParaRPr>
+          </a:p>
+          <a:p>
+            <a:pPr>
+              <a:lnSpc>
+                <a:spcPct val="100000"/>
+              </a:lnSpc>
+            </a:pPr>
+            <a:r>
+              <a:rPr b="0" lang="ru-RU" sz="2500" spc="-1" strike="noStrike">
+                <a:latin typeface="Arial"/>
+              </a:rPr>
+              <a:t>ценных бумаг</a:t>
+            </a:r>
+            <a:r>
+              <a:rPr b="0" lang="en-US" sz="2500" spc="-1" strike="noStrike">
+                <a:latin typeface="Arial"/>
+              </a:rPr>
+              <a:t> </a:t>
+            </a:r>
+            <a:r>
+              <a:rPr b="0" lang="ru-RU" sz="2500" spc="-1" strike="noStrike">
+                <a:latin typeface="Arial"/>
+              </a:rPr>
+              <a:t>русских</a:t>
+            </a:r>
+            <a:r>
+              <a:rPr b="0" lang="en-US" sz="2500" spc="-1" strike="noStrike">
+                <a:latin typeface="Arial"/>
+              </a:rPr>
+              <a:t> </a:t>
+            </a:r>
+            <a:r>
+              <a:rPr b="0" lang="ru-RU" sz="2500" spc="-1" strike="noStrike">
+                <a:latin typeface="Arial"/>
+              </a:rPr>
+              <a:t>компаний.</a:t>
             </a:r>
             <a:endParaRPr b="0" lang="en-US" sz="2500" spc="-1" strike="noStrike">
               <a:latin typeface="Arial"/>
@@ -3190,13 +3677,13 @@
       <p:sp>
         <p:nvSpPr>
           <p:cNvPr id="64" name=""/>
-          <p:cNvSpPr txBox="1"/>
+          <p:cNvSpPr/>
           <p:nvPr/>
         </p:nvSpPr>
         <p:spPr>
           <a:xfrm>
             <a:off x="685800" y="2514600"/>
-            <a:ext cx="8639640" cy="899640"/>
+            <a:ext cx="8639280" cy="899280"/>
           </a:xfrm>
           <a:prstGeom prst="rect">
             <a:avLst/>
@@ -3206,12 +3693,22 @@
             <a:noFill/>
           </a:ln>
         </p:spPr>
+        <p:style>
+          <a:lnRef idx="0"/>
+          <a:fillRef idx="0"/>
+          <a:effectRef idx="0"/>
+          <a:fontRef idx="minor"/>
+        </p:style>
         <p:txBody>
           <a:bodyPr lIns="0" rIns="0" tIns="0" bIns="0" anchor="ctr">
             <a:noAutofit/>
           </a:bodyPr>
           <a:p>
-            <a:pPr algn="ctr"/>
+            <a:pPr algn="ctr">
+              <a:lnSpc>
+                <a:spcPct val="100000"/>
+              </a:lnSpc>
+            </a:pPr>
             <a:r>
               <a:rPr b="0" lang="en-US" sz="4400" spc="-1" strike="noStrike">
                 <a:latin typeface="Arial"/>
